--- a/ppt 16-9/1518.加略山的爱.pptx
+++ b/ppt 16-9/1518.加略山的爱.pptx
@@ -129,7 +129,7 @@
           <p:cNvPr id="2" name="标题 1">
             <a:extLst>
               <a:ext uri="{FF2B5EF4-FFF2-40B4-BE49-F238E27FC236}">
-                <a16:creationId xmlns:a16="http://schemas.microsoft.com/office/drawing/2014/main" id="{8ECFBE95-A66F-0312-9BB1-6A3BEC81AF14}"/>
+                <a16:creationId xmlns:a16="http://schemas.microsoft.com/office/drawing/2014/main" id="{BC4F4BF9-9056-D7C0-9565-F90C46EFE322}"/>
               </a:ext>
             </a:extLst>
           </p:cNvPr>
@@ -166,7 +166,7 @@
           <p:cNvPr id="3" name="副标题 2">
             <a:extLst>
               <a:ext uri="{FF2B5EF4-FFF2-40B4-BE49-F238E27FC236}">
-                <a16:creationId xmlns:a16="http://schemas.microsoft.com/office/drawing/2014/main" id="{8ADFA771-863F-76C7-A767-A37645424174}"/>
+                <a16:creationId xmlns:a16="http://schemas.microsoft.com/office/drawing/2014/main" id="{5AF4C518-92CD-2145-9353-3913854F5887}"/>
               </a:ext>
             </a:extLst>
           </p:cNvPr>
@@ -236,7 +236,7 @@
           <p:cNvPr id="4" name="日期占位符 3">
             <a:extLst>
               <a:ext uri="{FF2B5EF4-FFF2-40B4-BE49-F238E27FC236}">
-                <a16:creationId xmlns:a16="http://schemas.microsoft.com/office/drawing/2014/main" id="{B9DCA537-5328-7A32-E651-B0DD340A2997}"/>
+                <a16:creationId xmlns:a16="http://schemas.microsoft.com/office/drawing/2014/main" id="{2802D99C-614F-7481-FB20-B250D6DA3922}"/>
               </a:ext>
             </a:extLst>
           </p:cNvPr>
@@ -252,7 +252,7 @@
           <a:bodyPr/>
           <a:lstStyle/>
           <a:p>
-            <a:fld id="{C052A223-C979-48B7-9D83-41736B0AEA1C}" type="datetimeFigureOut">
+            <a:fld id="{951EDF29-9217-4B41-AAA3-F221370B0652}" type="datetimeFigureOut">
               <a:rPr lang="zh-CN" altLang="en-US" smtClean="0"/>
               <a:t>2024/3/10</a:t>
             </a:fld>
@@ -265,7 +265,7 @@
           <p:cNvPr id="5" name="页脚占位符 4">
             <a:extLst>
               <a:ext uri="{FF2B5EF4-FFF2-40B4-BE49-F238E27FC236}">
-                <a16:creationId xmlns:a16="http://schemas.microsoft.com/office/drawing/2014/main" id="{FD0EE33A-479C-F611-C4A8-D07D51BFC90F}"/>
+                <a16:creationId xmlns:a16="http://schemas.microsoft.com/office/drawing/2014/main" id="{2ECDCCAE-54C3-EF18-CB22-97C40AC2E228}"/>
               </a:ext>
             </a:extLst>
           </p:cNvPr>
@@ -290,7 +290,7 @@
           <p:cNvPr id="6" name="灯片编号占位符 5">
             <a:extLst>
               <a:ext uri="{FF2B5EF4-FFF2-40B4-BE49-F238E27FC236}">
-                <a16:creationId xmlns:a16="http://schemas.microsoft.com/office/drawing/2014/main" id="{9EBCE33C-9625-C800-7F22-650AD6E60087}"/>
+                <a16:creationId xmlns:a16="http://schemas.microsoft.com/office/drawing/2014/main" id="{11902F24-47D7-1595-75BA-9D485189E23B}"/>
               </a:ext>
             </a:extLst>
           </p:cNvPr>
@@ -306,7 +306,7 @@
           <a:bodyPr/>
           <a:lstStyle/>
           <a:p>
-            <a:fld id="{630C9594-7124-4756-B250-1EA8373882BB}" type="slidenum">
+            <a:fld id="{2D0BD0FF-CF5E-4F90-94EA-5F1008DE6DEA}" type="slidenum">
               <a:rPr lang="zh-CN" altLang="en-US" smtClean="0"/>
               <a:t>‹#›</a:t>
             </a:fld>
@@ -317,7 +317,7 @@
     </p:spTree>
     <p:extLst>
       <p:ext uri="{BB962C8B-B14F-4D97-AF65-F5344CB8AC3E}">
-        <p14:creationId xmlns:p14="http://schemas.microsoft.com/office/powerpoint/2010/main" val="1625888428"/>
+        <p14:creationId xmlns:p14="http://schemas.microsoft.com/office/powerpoint/2010/main" val="551106999"/>
       </p:ext>
     </p:extLst>
   </p:cSld>
@@ -349,7 +349,7 @@
           <p:cNvPr id="2" name="标题 1">
             <a:extLst>
               <a:ext uri="{FF2B5EF4-FFF2-40B4-BE49-F238E27FC236}">
-                <a16:creationId xmlns:a16="http://schemas.microsoft.com/office/drawing/2014/main" id="{CD79C566-A4B4-DA73-8CF5-29EBB5DB27BF}"/>
+                <a16:creationId xmlns:a16="http://schemas.microsoft.com/office/drawing/2014/main" id="{4F24DABA-15F1-2B06-A392-EB637B3066F9}"/>
               </a:ext>
             </a:extLst>
           </p:cNvPr>
@@ -377,7 +377,7 @@
           <p:cNvPr id="3" name="竖排文字占位符 2">
             <a:extLst>
               <a:ext uri="{FF2B5EF4-FFF2-40B4-BE49-F238E27FC236}">
-                <a16:creationId xmlns:a16="http://schemas.microsoft.com/office/drawing/2014/main" id="{46E78741-FAE0-A873-91AD-A81EEC18CDE3}"/>
+                <a16:creationId xmlns:a16="http://schemas.microsoft.com/office/drawing/2014/main" id="{E5B175BD-EDE7-0BE5-8642-5D2B90966115}"/>
               </a:ext>
             </a:extLst>
           </p:cNvPr>
@@ -434,7 +434,7 @@
           <p:cNvPr id="4" name="日期占位符 3">
             <a:extLst>
               <a:ext uri="{FF2B5EF4-FFF2-40B4-BE49-F238E27FC236}">
-                <a16:creationId xmlns:a16="http://schemas.microsoft.com/office/drawing/2014/main" id="{B86DFCAD-AEA1-9E66-F97A-0AAABB822EF3}"/>
+                <a16:creationId xmlns:a16="http://schemas.microsoft.com/office/drawing/2014/main" id="{7CF7917D-9BC2-C2C4-13AF-0FDAEADABD36}"/>
               </a:ext>
             </a:extLst>
           </p:cNvPr>
@@ -450,7 +450,7 @@
           <a:bodyPr/>
           <a:lstStyle/>
           <a:p>
-            <a:fld id="{C052A223-C979-48B7-9D83-41736B0AEA1C}" type="datetimeFigureOut">
+            <a:fld id="{951EDF29-9217-4B41-AAA3-F221370B0652}" type="datetimeFigureOut">
               <a:rPr lang="zh-CN" altLang="en-US" smtClean="0"/>
               <a:t>2024/3/10</a:t>
             </a:fld>
@@ -463,7 +463,7 @@
           <p:cNvPr id="5" name="页脚占位符 4">
             <a:extLst>
               <a:ext uri="{FF2B5EF4-FFF2-40B4-BE49-F238E27FC236}">
-                <a16:creationId xmlns:a16="http://schemas.microsoft.com/office/drawing/2014/main" id="{0783F71D-9936-074F-5C13-9F24F0B74F58}"/>
+                <a16:creationId xmlns:a16="http://schemas.microsoft.com/office/drawing/2014/main" id="{EE458A91-696C-FE24-05B9-2909526B949F}"/>
               </a:ext>
             </a:extLst>
           </p:cNvPr>
@@ -488,7 +488,7 @@
           <p:cNvPr id="6" name="灯片编号占位符 5">
             <a:extLst>
               <a:ext uri="{FF2B5EF4-FFF2-40B4-BE49-F238E27FC236}">
-                <a16:creationId xmlns:a16="http://schemas.microsoft.com/office/drawing/2014/main" id="{D9638BD0-3086-D810-345F-D869CA0A1824}"/>
+                <a16:creationId xmlns:a16="http://schemas.microsoft.com/office/drawing/2014/main" id="{9AF842F9-CB6B-0773-A58A-73CD4CA7AB08}"/>
               </a:ext>
             </a:extLst>
           </p:cNvPr>
@@ -504,7 +504,7 @@
           <a:bodyPr/>
           <a:lstStyle/>
           <a:p>
-            <a:fld id="{630C9594-7124-4756-B250-1EA8373882BB}" type="slidenum">
+            <a:fld id="{2D0BD0FF-CF5E-4F90-94EA-5F1008DE6DEA}" type="slidenum">
               <a:rPr lang="zh-CN" altLang="en-US" smtClean="0"/>
               <a:t>‹#›</a:t>
             </a:fld>
@@ -515,7 +515,7 @@
     </p:spTree>
     <p:extLst>
       <p:ext uri="{BB962C8B-B14F-4D97-AF65-F5344CB8AC3E}">
-        <p14:creationId xmlns:p14="http://schemas.microsoft.com/office/powerpoint/2010/main" val="3936834603"/>
+        <p14:creationId xmlns:p14="http://schemas.microsoft.com/office/powerpoint/2010/main" val="1336906934"/>
       </p:ext>
     </p:extLst>
   </p:cSld>
@@ -547,7 +547,7 @@
           <p:cNvPr id="2" name="竖排标题 1">
             <a:extLst>
               <a:ext uri="{FF2B5EF4-FFF2-40B4-BE49-F238E27FC236}">
-                <a16:creationId xmlns:a16="http://schemas.microsoft.com/office/drawing/2014/main" id="{A9E51511-6438-89C1-3889-9DEE6A1AF6B2}"/>
+                <a16:creationId xmlns:a16="http://schemas.microsoft.com/office/drawing/2014/main" id="{322F5B46-640E-66D1-263F-45DA90FAEF90}"/>
               </a:ext>
             </a:extLst>
           </p:cNvPr>
@@ -580,7 +580,7 @@
           <p:cNvPr id="3" name="竖排文字占位符 2">
             <a:extLst>
               <a:ext uri="{FF2B5EF4-FFF2-40B4-BE49-F238E27FC236}">
-                <a16:creationId xmlns:a16="http://schemas.microsoft.com/office/drawing/2014/main" id="{8524777F-A55A-C988-65B9-5392657530CB}"/>
+                <a16:creationId xmlns:a16="http://schemas.microsoft.com/office/drawing/2014/main" id="{716058E5-736A-CB63-251E-FBACB5114920}"/>
               </a:ext>
             </a:extLst>
           </p:cNvPr>
@@ -642,7 +642,7 @@
           <p:cNvPr id="4" name="日期占位符 3">
             <a:extLst>
               <a:ext uri="{FF2B5EF4-FFF2-40B4-BE49-F238E27FC236}">
-                <a16:creationId xmlns:a16="http://schemas.microsoft.com/office/drawing/2014/main" id="{F22D8A31-579B-3E4C-F189-46B32B615B1D}"/>
+                <a16:creationId xmlns:a16="http://schemas.microsoft.com/office/drawing/2014/main" id="{28075A44-FEFD-A4FB-1512-7BEE06B2E592}"/>
               </a:ext>
             </a:extLst>
           </p:cNvPr>
@@ -658,7 +658,7 @@
           <a:bodyPr/>
           <a:lstStyle/>
           <a:p>
-            <a:fld id="{C052A223-C979-48B7-9D83-41736B0AEA1C}" type="datetimeFigureOut">
+            <a:fld id="{951EDF29-9217-4B41-AAA3-F221370B0652}" type="datetimeFigureOut">
               <a:rPr lang="zh-CN" altLang="en-US" smtClean="0"/>
               <a:t>2024/3/10</a:t>
             </a:fld>
@@ -671,7 +671,7 @@
           <p:cNvPr id="5" name="页脚占位符 4">
             <a:extLst>
               <a:ext uri="{FF2B5EF4-FFF2-40B4-BE49-F238E27FC236}">
-                <a16:creationId xmlns:a16="http://schemas.microsoft.com/office/drawing/2014/main" id="{F1B2FE66-4F4F-74F8-CD0B-1D8D4822A9A4}"/>
+                <a16:creationId xmlns:a16="http://schemas.microsoft.com/office/drawing/2014/main" id="{94682971-2960-B89A-CE9F-63B23E932401}"/>
               </a:ext>
             </a:extLst>
           </p:cNvPr>
@@ -696,7 +696,7 @@
           <p:cNvPr id="6" name="灯片编号占位符 5">
             <a:extLst>
               <a:ext uri="{FF2B5EF4-FFF2-40B4-BE49-F238E27FC236}">
-                <a16:creationId xmlns:a16="http://schemas.microsoft.com/office/drawing/2014/main" id="{B43E2185-F23A-D0B1-B7A7-9612B4B90C3C}"/>
+                <a16:creationId xmlns:a16="http://schemas.microsoft.com/office/drawing/2014/main" id="{122C12E1-A811-63DA-6DBF-32EC64150432}"/>
               </a:ext>
             </a:extLst>
           </p:cNvPr>
@@ -712,7 +712,7 @@
           <a:bodyPr/>
           <a:lstStyle/>
           <a:p>
-            <a:fld id="{630C9594-7124-4756-B250-1EA8373882BB}" type="slidenum">
+            <a:fld id="{2D0BD0FF-CF5E-4F90-94EA-5F1008DE6DEA}" type="slidenum">
               <a:rPr lang="zh-CN" altLang="en-US" smtClean="0"/>
               <a:t>‹#›</a:t>
             </a:fld>
@@ -723,7 +723,7 @@
     </p:spTree>
     <p:extLst>
       <p:ext uri="{BB962C8B-B14F-4D97-AF65-F5344CB8AC3E}">
-        <p14:creationId xmlns:p14="http://schemas.microsoft.com/office/powerpoint/2010/main" val="3865512441"/>
+        <p14:creationId xmlns:p14="http://schemas.microsoft.com/office/powerpoint/2010/main" val="2413955362"/>
       </p:ext>
     </p:extLst>
   </p:cSld>
@@ -755,7 +755,7 @@
           <p:cNvPr id="2" name="标题 1">
             <a:extLst>
               <a:ext uri="{FF2B5EF4-FFF2-40B4-BE49-F238E27FC236}">
-                <a16:creationId xmlns:a16="http://schemas.microsoft.com/office/drawing/2014/main" id="{49D61B5A-0222-0AC7-6CBF-4034A0E4FE36}"/>
+                <a16:creationId xmlns:a16="http://schemas.microsoft.com/office/drawing/2014/main" id="{A9E62530-B461-FDE2-681D-DF679462E713}"/>
               </a:ext>
             </a:extLst>
           </p:cNvPr>
@@ -783,7 +783,7 @@
           <p:cNvPr id="3" name="内容占位符 2">
             <a:extLst>
               <a:ext uri="{FF2B5EF4-FFF2-40B4-BE49-F238E27FC236}">
-                <a16:creationId xmlns:a16="http://schemas.microsoft.com/office/drawing/2014/main" id="{CC48A6D3-79C3-6A42-D5A2-5447227ADBCE}"/>
+                <a16:creationId xmlns:a16="http://schemas.microsoft.com/office/drawing/2014/main" id="{F3A13300-E4DA-8474-9313-1351203CE081}"/>
               </a:ext>
             </a:extLst>
           </p:cNvPr>
@@ -840,7 +840,7 @@
           <p:cNvPr id="4" name="日期占位符 3">
             <a:extLst>
               <a:ext uri="{FF2B5EF4-FFF2-40B4-BE49-F238E27FC236}">
-                <a16:creationId xmlns:a16="http://schemas.microsoft.com/office/drawing/2014/main" id="{5CC75944-368A-2011-F698-7D396B335FED}"/>
+                <a16:creationId xmlns:a16="http://schemas.microsoft.com/office/drawing/2014/main" id="{15EAEE12-D92F-B807-EA68-A788F7521341}"/>
               </a:ext>
             </a:extLst>
           </p:cNvPr>
@@ -856,7 +856,7 @@
           <a:bodyPr/>
           <a:lstStyle/>
           <a:p>
-            <a:fld id="{C052A223-C979-48B7-9D83-41736B0AEA1C}" type="datetimeFigureOut">
+            <a:fld id="{951EDF29-9217-4B41-AAA3-F221370B0652}" type="datetimeFigureOut">
               <a:rPr lang="zh-CN" altLang="en-US" smtClean="0"/>
               <a:t>2024/3/10</a:t>
             </a:fld>
@@ -869,7 +869,7 @@
           <p:cNvPr id="5" name="页脚占位符 4">
             <a:extLst>
               <a:ext uri="{FF2B5EF4-FFF2-40B4-BE49-F238E27FC236}">
-                <a16:creationId xmlns:a16="http://schemas.microsoft.com/office/drawing/2014/main" id="{0694CEC7-FD18-A962-B5AE-DBF13770963E}"/>
+                <a16:creationId xmlns:a16="http://schemas.microsoft.com/office/drawing/2014/main" id="{41BD65EC-91B2-8852-9F0C-E4C71FDCEB4B}"/>
               </a:ext>
             </a:extLst>
           </p:cNvPr>
@@ -894,7 +894,7 @@
           <p:cNvPr id="6" name="灯片编号占位符 5">
             <a:extLst>
               <a:ext uri="{FF2B5EF4-FFF2-40B4-BE49-F238E27FC236}">
-                <a16:creationId xmlns:a16="http://schemas.microsoft.com/office/drawing/2014/main" id="{5DFD0B59-B9E6-A028-D5A2-F4F286B64FE2}"/>
+                <a16:creationId xmlns:a16="http://schemas.microsoft.com/office/drawing/2014/main" id="{6D1C12DD-2A03-489B-CEDC-CD0CB6939141}"/>
               </a:ext>
             </a:extLst>
           </p:cNvPr>
@@ -910,7 +910,7 @@
           <a:bodyPr/>
           <a:lstStyle/>
           <a:p>
-            <a:fld id="{630C9594-7124-4756-B250-1EA8373882BB}" type="slidenum">
+            <a:fld id="{2D0BD0FF-CF5E-4F90-94EA-5F1008DE6DEA}" type="slidenum">
               <a:rPr lang="zh-CN" altLang="en-US" smtClean="0"/>
               <a:t>‹#›</a:t>
             </a:fld>
@@ -921,7 +921,7 @@
     </p:spTree>
     <p:extLst>
       <p:ext uri="{BB962C8B-B14F-4D97-AF65-F5344CB8AC3E}">
-        <p14:creationId xmlns:p14="http://schemas.microsoft.com/office/powerpoint/2010/main" val="1670993358"/>
+        <p14:creationId xmlns:p14="http://schemas.microsoft.com/office/powerpoint/2010/main" val="3113343822"/>
       </p:ext>
     </p:extLst>
   </p:cSld>
@@ -953,7 +953,7 @@
           <p:cNvPr id="2" name="标题 1">
             <a:extLst>
               <a:ext uri="{FF2B5EF4-FFF2-40B4-BE49-F238E27FC236}">
-                <a16:creationId xmlns:a16="http://schemas.microsoft.com/office/drawing/2014/main" id="{A007548C-8ABA-E3A5-0FB3-60622F8F63A3}"/>
+                <a16:creationId xmlns:a16="http://schemas.microsoft.com/office/drawing/2014/main" id="{C5A4250D-B7E8-7A9D-F9E1-68487625AC98}"/>
               </a:ext>
             </a:extLst>
           </p:cNvPr>
@@ -990,7 +990,7 @@
           <p:cNvPr id="3" name="文本占位符 2">
             <a:extLst>
               <a:ext uri="{FF2B5EF4-FFF2-40B4-BE49-F238E27FC236}">
-                <a16:creationId xmlns:a16="http://schemas.microsoft.com/office/drawing/2014/main" id="{80F43EBA-C88D-6591-B21A-FCC65B1B4CD8}"/>
+                <a16:creationId xmlns:a16="http://schemas.microsoft.com/office/drawing/2014/main" id="{418117E8-C112-CB06-856B-9DE29703EEA2}"/>
               </a:ext>
             </a:extLst>
           </p:cNvPr>
@@ -1115,7 +1115,7 @@
           <p:cNvPr id="4" name="日期占位符 3">
             <a:extLst>
               <a:ext uri="{FF2B5EF4-FFF2-40B4-BE49-F238E27FC236}">
-                <a16:creationId xmlns:a16="http://schemas.microsoft.com/office/drawing/2014/main" id="{F7217A5C-A3AC-FD35-1AE4-47479D95E408}"/>
+                <a16:creationId xmlns:a16="http://schemas.microsoft.com/office/drawing/2014/main" id="{647ECBFF-A007-C5F9-962F-51ECCA3C70E3}"/>
               </a:ext>
             </a:extLst>
           </p:cNvPr>
@@ -1131,7 +1131,7 @@
           <a:bodyPr/>
           <a:lstStyle/>
           <a:p>
-            <a:fld id="{C052A223-C979-48B7-9D83-41736B0AEA1C}" type="datetimeFigureOut">
+            <a:fld id="{951EDF29-9217-4B41-AAA3-F221370B0652}" type="datetimeFigureOut">
               <a:rPr lang="zh-CN" altLang="en-US" smtClean="0"/>
               <a:t>2024/3/10</a:t>
             </a:fld>
@@ -1144,7 +1144,7 @@
           <p:cNvPr id="5" name="页脚占位符 4">
             <a:extLst>
               <a:ext uri="{FF2B5EF4-FFF2-40B4-BE49-F238E27FC236}">
-                <a16:creationId xmlns:a16="http://schemas.microsoft.com/office/drawing/2014/main" id="{6253EF76-0912-0FF6-C761-6564D76BD75E}"/>
+                <a16:creationId xmlns:a16="http://schemas.microsoft.com/office/drawing/2014/main" id="{89174546-5A5A-0B0D-64FA-3F5B103302D2}"/>
               </a:ext>
             </a:extLst>
           </p:cNvPr>
@@ -1169,7 +1169,7 @@
           <p:cNvPr id="6" name="灯片编号占位符 5">
             <a:extLst>
               <a:ext uri="{FF2B5EF4-FFF2-40B4-BE49-F238E27FC236}">
-                <a16:creationId xmlns:a16="http://schemas.microsoft.com/office/drawing/2014/main" id="{BC11D8F4-F0BD-AB82-7D83-82474D06D2E4}"/>
+                <a16:creationId xmlns:a16="http://schemas.microsoft.com/office/drawing/2014/main" id="{081E0829-10F2-73D2-E747-F6695AA9C317}"/>
               </a:ext>
             </a:extLst>
           </p:cNvPr>
@@ -1185,7 +1185,7 @@
           <a:bodyPr/>
           <a:lstStyle/>
           <a:p>
-            <a:fld id="{630C9594-7124-4756-B250-1EA8373882BB}" type="slidenum">
+            <a:fld id="{2D0BD0FF-CF5E-4F90-94EA-5F1008DE6DEA}" type="slidenum">
               <a:rPr lang="zh-CN" altLang="en-US" smtClean="0"/>
               <a:t>‹#›</a:t>
             </a:fld>
@@ -1196,7 +1196,7 @@
     </p:spTree>
     <p:extLst>
       <p:ext uri="{BB962C8B-B14F-4D97-AF65-F5344CB8AC3E}">
-        <p14:creationId xmlns:p14="http://schemas.microsoft.com/office/powerpoint/2010/main" val="560231004"/>
+        <p14:creationId xmlns:p14="http://schemas.microsoft.com/office/powerpoint/2010/main" val="2499953295"/>
       </p:ext>
     </p:extLst>
   </p:cSld>
@@ -1228,7 +1228,7 @@
           <p:cNvPr id="2" name="标题 1">
             <a:extLst>
               <a:ext uri="{FF2B5EF4-FFF2-40B4-BE49-F238E27FC236}">
-                <a16:creationId xmlns:a16="http://schemas.microsoft.com/office/drawing/2014/main" id="{BF9FA29D-C37F-E522-0245-2185CA0D9E47}"/>
+                <a16:creationId xmlns:a16="http://schemas.microsoft.com/office/drawing/2014/main" id="{5B82CE67-69DD-9EB1-9B63-7E9739AD19F9}"/>
               </a:ext>
             </a:extLst>
           </p:cNvPr>
@@ -1256,7 +1256,7 @@
           <p:cNvPr id="3" name="内容占位符 2">
             <a:extLst>
               <a:ext uri="{FF2B5EF4-FFF2-40B4-BE49-F238E27FC236}">
-                <a16:creationId xmlns:a16="http://schemas.microsoft.com/office/drawing/2014/main" id="{CFD2F69B-5F0D-C6E6-7218-238711500097}"/>
+                <a16:creationId xmlns:a16="http://schemas.microsoft.com/office/drawing/2014/main" id="{E884878B-0826-D90C-4FDD-01A54F88C6AF}"/>
               </a:ext>
             </a:extLst>
           </p:cNvPr>
@@ -1318,7 +1318,7 @@
           <p:cNvPr id="4" name="内容占位符 3">
             <a:extLst>
               <a:ext uri="{FF2B5EF4-FFF2-40B4-BE49-F238E27FC236}">
-                <a16:creationId xmlns:a16="http://schemas.microsoft.com/office/drawing/2014/main" id="{474EB4FF-8DDD-DE97-3642-0115C054661D}"/>
+                <a16:creationId xmlns:a16="http://schemas.microsoft.com/office/drawing/2014/main" id="{7C13B252-223A-033C-FC29-AEA896D1558F}"/>
               </a:ext>
             </a:extLst>
           </p:cNvPr>
@@ -1380,7 +1380,7 @@
           <p:cNvPr id="5" name="日期占位符 4">
             <a:extLst>
               <a:ext uri="{FF2B5EF4-FFF2-40B4-BE49-F238E27FC236}">
-                <a16:creationId xmlns:a16="http://schemas.microsoft.com/office/drawing/2014/main" id="{A94BF230-EAB5-A768-CF8A-10A08BB1FB91}"/>
+                <a16:creationId xmlns:a16="http://schemas.microsoft.com/office/drawing/2014/main" id="{5F8D5B0A-378C-7604-4046-B4ABE81A5979}"/>
               </a:ext>
             </a:extLst>
           </p:cNvPr>
@@ -1396,7 +1396,7 @@
           <a:bodyPr/>
           <a:lstStyle/>
           <a:p>
-            <a:fld id="{C052A223-C979-48B7-9D83-41736B0AEA1C}" type="datetimeFigureOut">
+            <a:fld id="{951EDF29-9217-4B41-AAA3-F221370B0652}" type="datetimeFigureOut">
               <a:rPr lang="zh-CN" altLang="en-US" smtClean="0"/>
               <a:t>2024/3/10</a:t>
             </a:fld>
@@ -1409,7 +1409,7 @@
           <p:cNvPr id="6" name="页脚占位符 5">
             <a:extLst>
               <a:ext uri="{FF2B5EF4-FFF2-40B4-BE49-F238E27FC236}">
-                <a16:creationId xmlns:a16="http://schemas.microsoft.com/office/drawing/2014/main" id="{DAAB57E7-6820-9246-9CB8-6AE7933C704A}"/>
+                <a16:creationId xmlns:a16="http://schemas.microsoft.com/office/drawing/2014/main" id="{C2651045-D267-FA20-3A7C-8DF278FA313D}"/>
               </a:ext>
             </a:extLst>
           </p:cNvPr>
@@ -1434,7 +1434,7 @@
           <p:cNvPr id="7" name="灯片编号占位符 6">
             <a:extLst>
               <a:ext uri="{FF2B5EF4-FFF2-40B4-BE49-F238E27FC236}">
-                <a16:creationId xmlns:a16="http://schemas.microsoft.com/office/drawing/2014/main" id="{62FF428F-7366-1D8A-14F0-AAAD1CA0E2C2}"/>
+                <a16:creationId xmlns:a16="http://schemas.microsoft.com/office/drawing/2014/main" id="{2B634240-B7DA-50C0-0B39-FF05A8D5666D}"/>
               </a:ext>
             </a:extLst>
           </p:cNvPr>
@@ -1450,7 +1450,7 @@
           <a:bodyPr/>
           <a:lstStyle/>
           <a:p>
-            <a:fld id="{630C9594-7124-4756-B250-1EA8373882BB}" type="slidenum">
+            <a:fld id="{2D0BD0FF-CF5E-4F90-94EA-5F1008DE6DEA}" type="slidenum">
               <a:rPr lang="zh-CN" altLang="en-US" smtClean="0"/>
               <a:t>‹#›</a:t>
             </a:fld>
@@ -1461,7 +1461,7 @@
     </p:spTree>
     <p:extLst>
       <p:ext uri="{BB962C8B-B14F-4D97-AF65-F5344CB8AC3E}">
-        <p14:creationId xmlns:p14="http://schemas.microsoft.com/office/powerpoint/2010/main" val="1488904744"/>
+        <p14:creationId xmlns:p14="http://schemas.microsoft.com/office/powerpoint/2010/main" val="2111893954"/>
       </p:ext>
     </p:extLst>
   </p:cSld>
@@ -1493,7 +1493,7 @@
           <p:cNvPr id="2" name="标题 1">
             <a:extLst>
               <a:ext uri="{FF2B5EF4-FFF2-40B4-BE49-F238E27FC236}">
-                <a16:creationId xmlns:a16="http://schemas.microsoft.com/office/drawing/2014/main" id="{29CC781C-223A-71EF-9E99-02D7BC5B3753}"/>
+                <a16:creationId xmlns:a16="http://schemas.microsoft.com/office/drawing/2014/main" id="{634ACC75-AADA-9784-F464-DB846A926464}"/>
               </a:ext>
             </a:extLst>
           </p:cNvPr>
@@ -1526,7 +1526,7 @@
           <p:cNvPr id="3" name="文本占位符 2">
             <a:extLst>
               <a:ext uri="{FF2B5EF4-FFF2-40B4-BE49-F238E27FC236}">
-                <a16:creationId xmlns:a16="http://schemas.microsoft.com/office/drawing/2014/main" id="{25BF0563-39C4-B495-6D05-989D15C73DB9}"/>
+                <a16:creationId xmlns:a16="http://schemas.microsoft.com/office/drawing/2014/main" id="{44B51217-4CF5-9606-7848-5A2B0168F801}"/>
               </a:ext>
             </a:extLst>
           </p:cNvPr>
@@ -1597,7 +1597,7 @@
           <p:cNvPr id="4" name="内容占位符 3">
             <a:extLst>
               <a:ext uri="{FF2B5EF4-FFF2-40B4-BE49-F238E27FC236}">
-                <a16:creationId xmlns:a16="http://schemas.microsoft.com/office/drawing/2014/main" id="{3E3FBF68-B742-2042-779B-EA2DBB998355}"/>
+                <a16:creationId xmlns:a16="http://schemas.microsoft.com/office/drawing/2014/main" id="{9F532333-E80F-7437-15FA-59840984A61F}"/>
               </a:ext>
             </a:extLst>
           </p:cNvPr>
@@ -1659,7 +1659,7 @@
           <p:cNvPr id="5" name="文本占位符 4">
             <a:extLst>
               <a:ext uri="{FF2B5EF4-FFF2-40B4-BE49-F238E27FC236}">
-                <a16:creationId xmlns:a16="http://schemas.microsoft.com/office/drawing/2014/main" id="{190D70D9-725E-59C2-846C-99210365EC55}"/>
+                <a16:creationId xmlns:a16="http://schemas.microsoft.com/office/drawing/2014/main" id="{7DF25935-A63B-0CB2-35C9-C27D579382D4}"/>
               </a:ext>
             </a:extLst>
           </p:cNvPr>
@@ -1730,7 +1730,7 @@
           <p:cNvPr id="6" name="内容占位符 5">
             <a:extLst>
               <a:ext uri="{FF2B5EF4-FFF2-40B4-BE49-F238E27FC236}">
-                <a16:creationId xmlns:a16="http://schemas.microsoft.com/office/drawing/2014/main" id="{4F98D469-63C2-1419-D61C-125ED8082E9A}"/>
+                <a16:creationId xmlns:a16="http://schemas.microsoft.com/office/drawing/2014/main" id="{58F46F5E-111F-F36E-E36B-F779D00452CF}"/>
               </a:ext>
             </a:extLst>
           </p:cNvPr>
@@ -1792,7 +1792,7 @@
           <p:cNvPr id="7" name="日期占位符 6">
             <a:extLst>
               <a:ext uri="{FF2B5EF4-FFF2-40B4-BE49-F238E27FC236}">
-                <a16:creationId xmlns:a16="http://schemas.microsoft.com/office/drawing/2014/main" id="{2A0BA3B0-DC96-A4D2-4049-45AF2C52EF83}"/>
+                <a16:creationId xmlns:a16="http://schemas.microsoft.com/office/drawing/2014/main" id="{378C72B4-FF6C-3DB3-CDE3-9E2631C3E3AB}"/>
               </a:ext>
             </a:extLst>
           </p:cNvPr>
@@ -1808,7 +1808,7 @@
           <a:bodyPr/>
           <a:lstStyle/>
           <a:p>
-            <a:fld id="{C052A223-C979-48B7-9D83-41736B0AEA1C}" type="datetimeFigureOut">
+            <a:fld id="{951EDF29-9217-4B41-AAA3-F221370B0652}" type="datetimeFigureOut">
               <a:rPr lang="zh-CN" altLang="en-US" smtClean="0"/>
               <a:t>2024/3/10</a:t>
             </a:fld>
@@ -1821,7 +1821,7 @@
           <p:cNvPr id="8" name="页脚占位符 7">
             <a:extLst>
               <a:ext uri="{FF2B5EF4-FFF2-40B4-BE49-F238E27FC236}">
-                <a16:creationId xmlns:a16="http://schemas.microsoft.com/office/drawing/2014/main" id="{65F0DC9F-B157-3745-9052-90ABA76F4FA1}"/>
+                <a16:creationId xmlns:a16="http://schemas.microsoft.com/office/drawing/2014/main" id="{948065C3-FA10-9B77-4434-1C602D9382DC}"/>
               </a:ext>
             </a:extLst>
           </p:cNvPr>
@@ -1846,7 +1846,7 @@
           <p:cNvPr id="9" name="灯片编号占位符 8">
             <a:extLst>
               <a:ext uri="{FF2B5EF4-FFF2-40B4-BE49-F238E27FC236}">
-                <a16:creationId xmlns:a16="http://schemas.microsoft.com/office/drawing/2014/main" id="{0A48EB6C-8268-78EB-F127-02E37F55FF97}"/>
+                <a16:creationId xmlns:a16="http://schemas.microsoft.com/office/drawing/2014/main" id="{AAA1B39E-7F3A-5D43-6DBF-53CD6F17CE75}"/>
               </a:ext>
             </a:extLst>
           </p:cNvPr>
@@ -1862,7 +1862,7 @@
           <a:bodyPr/>
           <a:lstStyle/>
           <a:p>
-            <a:fld id="{630C9594-7124-4756-B250-1EA8373882BB}" type="slidenum">
+            <a:fld id="{2D0BD0FF-CF5E-4F90-94EA-5F1008DE6DEA}" type="slidenum">
               <a:rPr lang="zh-CN" altLang="en-US" smtClean="0"/>
               <a:t>‹#›</a:t>
             </a:fld>
@@ -1873,7 +1873,7 @@
     </p:spTree>
     <p:extLst>
       <p:ext uri="{BB962C8B-B14F-4D97-AF65-F5344CB8AC3E}">
-        <p14:creationId xmlns:p14="http://schemas.microsoft.com/office/powerpoint/2010/main" val="3656913247"/>
+        <p14:creationId xmlns:p14="http://schemas.microsoft.com/office/powerpoint/2010/main" val="3503149749"/>
       </p:ext>
     </p:extLst>
   </p:cSld>
@@ -1905,7 +1905,7 @@
           <p:cNvPr id="2" name="标题 1">
             <a:extLst>
               <a:ext uri="{FF2B5EF4-FFF2-40B4-BE49-F238E27FC236}">
-                <a16:creationId xmlns:a16="http://schemas.microsoft.com/office/drawing/2014/main" id="{08A3266D-1186-0FA7-CFB0-783E394C80A0}"/>
+                <a16:creationId xmlns:a16="http://schemas.microsoft.com/office/drawing/2014/main" id="{B45C802F-5BCF-87BF-764E-62DEAA7CED1F}"/>
               </a:ext>
             </a:extLst>
           </p:cNvPr>
@@ -1933,7 +1933,7 @@
           <p:cNvPr id="3" name="日期占位符 2">
             <a:extLst>
               <a:ext uri="{FF2B5EF4-FFF2-40B4-BE49-F238E27FC236}">
-                <a16:creationId xmlns:a16="http://schemas.microsoft.com/office/drawing/2014/main" id="{D5C32977-7EBC-D25A-E1CF-AE32FC2DB582}"/>
+                <a16:creationId xmlns:a16="http://schemas.microsoft.com/office/drawing/2014/main" id="{2F16EF45-882A-85BB-7F98-A5557094CED5}"/>
               </a:ext>
             </a:extLst>
           </p:cNvPr>
@@ -1949,7 +1949,7 @@
           <a:bodyPr/>
           <a:lstStyle/>
           <a:p>
-            <a:fld id="{C052A223-C979-48B7-9D83-41736B0AEA1C}" type="datetimeFigureOut">
+            <a:fld id="{951EDF29-9217-4B41-AAA3-F221370B0652}" type="datetimeFigureOut">
               <a:rPr lang="zh-CN" altLang="en-US" smtClean="0"/>
               <a:t>2024/3/10</a:t>
             </a:fld>
@@ -1962,7 +1962,7 @@
           <p:cNvPr id="4" name="页脚占位符 3">
             <a:extLst>
               <a:ext uri="{FF2B5EF4-FFF2-40B4-BE49-F238E27FC236}">
-                <a16:creationId xmlns:a16="http://schemas.microsoft.com/office/drawing/2014/main" id="{846E71CC-DB92-EC5E-88E6-5EE5F0E85B45}"/>
+                <a16:creationId xmlns:a16="http://schemas.microsoft.com/office/drawing/2014/main" id="{B131F867-25E9-D95C-1185-DF09A80A03E5}"/>
               </a:ext>
             </a:extLst>
           </p:cNvPr>
@@ -1987,7 +1987,7 @@
           <p:cNvPr id="5" name="灯片编号占位符 4">
             <a:extLst>
               <a:ext uri="{FF2B5EF4-FFF2-40B4-BE49-F238E27FC236}">
-                <a16:creationId xmlns:a16="http://schemas.microsoft.com/office/drawing/2014/main" id="{0CB98E9B-9131-04F1-EBC9-C94814BA12AC}"/>
+                <a16:creationId xmlns:a16="http://schemas.microsoft.com/office/drawing/2014/main" id="{9CBCC624-E7EB-F314-888B-35F37BCA891B}"/>
               </a:ext>
             </a:extLst>
           </p:cNvPr>
@@ -2003,7 +2003,7 @@
           <a:bodyPr/>
           <a:lstStyle/>
           <a:p>
-            <a:fld id="{630C9594-7124-4756-B250-1EA8373882BB}" type="slidenum">
+            <a:fld id="{2D0BD0FF-CF5E-4F90-94EA-5F1008DE6DEA}" type="slidenum">
               <a:rPr lang="zh-CN" altLang="en-US" smtClean="0"/>
               <a:t>‹#›</a:t>
             </a:fld>
@@ -2014,7 +2014,7 @@
     </p:spTree>
     <p:extLst>
       <p:ext uri="{BB962C8B-B14F-4D97-AF65-F5344CB8AC3E}">
-        <p14:creationId xmlns:p14="http://schemas.microsoft.com/office/powerpoint/2010/main" val="278454851"/>
+        <p14:creationId xmlns:p14="http://schemas.microsoft.com/office/powerpoint/2010/main" val="155206822"/>
       </p:ext>
     </p:extLst>
   </p:cSld>
@@ -2046,7 +2046,7 @@
           <p:cNvPr id="2" name="日期占位符 1">
             <a:extLst>
               <a:ext uri="{FF2B5EF4-FFF2-40B4-BE49-F238E27FC236}">
-                <a16:creationId xmlns:a16="http://schemas.microsoft.com/office/drawing/2014/main" id="{99603561-B7C5-14ED-723A-B347C9133180}"/>
+                <a16:creationId xmlns:a16="http://schemas.microsoft.com/office/drawing/2014/main" id="{712370C1-5C2E-9E70-828F-534682E0F301}"/>
               </a:ext>
             </a:extLst>
           </p:cNvPr>
@@ -2062,7 +2062,7 @@
           <a:bodyPr/>
           <a:lstStyle/>
           <a:p>
-            <a:fld id="{C052A223-C979-48B7-9D83-41736B0AEA1C}" type="datetimeFigureOut">
+            <a:fld id="{951EDF29-9217-4B41-AAA3-F221370B0652}" type="datetimeFigureOut">
               <a:rPr lang="zh-CN" altLang="en-US" smtClean="0"/>
               <a:t>2024/3/10</a:t>
             </a:fld>
@@ -2075,7 +2075,7 @@
           <p:cNvPr id="3" name="页脚占位符 2">
             <a:extLst>
               <a:ext uri="{FF2B5EF4-FFF2-40B4-BE49-F238E27FC236}">
-                <a16:creationId xmlns:a16="http://schemas.microsoft.com/office/drawing/2014/main" id="{19A18DE4-8F77-6523-8103-B5A6FC5E82E7}"/>
+                <a16:creationId xmlns:a16="http://schemas.microsoft.com/office/drawing/2014/main" id="{275444FE-21F5-B9AD-BB7A-8E16537A9857}"/>
               </a:ext>
             </a:extLst>
           </p:cNvPr>
@@ -2100,7 +2100,7 @@
           <p:cNvPr id="4" name="灯片编号占位符 3">
             <a:extLst>
               <a:ext uri="{FF2B5EF4-FFF2-40B4-BE49-F238E27FC236}">
-                <a16:creationId xmlns:a16="http://schemas.microsoft.com/office/drawing/2014/main" id="{079C559B-81DA-A59F-E36D-8C7773D328BC}"/>
+                <a16:creationId xmlns:a16="http://schemas.microsoft.com/office/drawing/2014/main" id="{0764702F-96AA-D195-DD3F-1EBD8C3ADE63}"/>
               </a:ext>
             </a:extLst>
           </p:cNvPr>
@@ -2116,7 +2116,7 @@
           <a:bodyPr/>
           <a:lstStyle/>
           <a:p>
-            <a:fld id="{630C9594-7124-4756-B250-1EA8373882BB}" type="slidenum">
+            <a:fld id="{2D0BD0FF-CF5E-4F90-94EA-5F1008DE6DEA}" type="slidenum">
               <a:rPr lang="zh-CN" altLang="en-US" smtClean="0"/>
               <a:t>‹#›</a:t>
             </a:fld>
@@ -2127,7 +2127,7 @@
     </p:spTree>
     <p:extLst>
       <p:ext uri="{BB962C8B-B14F-4D97-AF65-F5344CB8AC3E}">
-        <p14:creationId xmlns:p14="http://schemas.microsoft.com/office/powerpoint/2010/main" val="695603514"/>
+        <p14:creationId xmlns:p14="http://schemas.microsoft.com/office/powerpoint/2010/main" val="4214324857"/>
       </p:ext>
     </p:extLst>
   </p:cSld>
@@ -2159,7 +2159,7 @@
           <p:cNvPr id="2" name="标题 1">
             <a:extLst>
               <a:ext uri="{FF2B5EF4-FFF2-40B4-BE49-F238E27FC236}">
-                <a16:creationId xmlns:a16="http://schemas.microsoft.com/office/drawing/2014/main" id="{CCBA867D-CE41-C6BA-7B25-4B4EB67B1769}"/>
+                <a16:creationId xmlns:a16="http://schemas.microsoft.com/office/drawing/2014/main" id="{938ACEA8-5971-9711-E2A5-9125BC80FFDF}"/>
               </a:ext>
             </a:extLst>
           </p:cNvPr>
@@ -2196,7 +2196,7 @@
           <p:cNvPr id="3" name="内容占位符 2">
             <a:extLst>
               <a:ext uri="{FF2B5EF4-FFF2-40B4-BE49-F238E27FC236}">
-                <a16:creationId xmlns:a16="http://schemas.microsoft.com/office/drawing/2014/main" id="{549CCA49-B114-2984-F668-40BAD6C6805F}"/>
+                <a16:creationId xmlns:a16="http://schemas.microsoft.com/office/drawing/2014/main" id="{BE88FD6E-44C2-775E-1C27-1D079ABEED1F}"/>
               </a:ext>
             </a:extLst>
           </p:cNvPr>
@@ -2286,7 +2286,7 @@
           <p:cNvPr id="4" name="文本占位符 3">
             <a:extLst>
               <a:ext uri="{FF2B5EF4-FFF2-40B4-BE49-F238E27FC236}">
-                <a16:creationId xmlns:a16="http://schemas.microsoft.com/office/drawing/2014/main" id="{27C8AF85-7B37-656D-A16C-DE04F1B2F91E}"/>
+                <a16:creationId xmlns:a16="http://schemas.microsoft.com/office/drawing/2014/main" id="{0DC4F998-59AB-EBF2-9519-179EB56F3FA6}"/>
               </a:ext>
             </a:extLst>
           </p:cNvPr>
@@ -2357,7 +2357,7 @@
           <p:cNvPr id="5" name="日期占位符 4">
             <a:extLst>
               <a:ext uri="{FF2B5EF4-FFF2-40B4-BE49-F238E27FC236}">
-                <a16:creationId xmlns:a16="http://schemas.microsoft.com/office/drawing/2014/main" id="{47BF0AA0-54BE-AB71-B02D-0F46EBCF02AA}"/>
+                <a16:creationId xmlns:a16="http://schemas.microsoft.com/office/drawing/2014/main" id="{88FA8D7B-A5CC-43FF-4874-6A20878D0DF6}"/>
               </a:ext>
             </a:extLst>
           </p:cNvPr>
@@ -2373,7 +2373,7 @@
           <a:bodyPr/>
           <a:lstStyle/>
           <a:p>
-            <a:fld id="{C052A223-C979-48B7-9D83-41736B0AEA1C}" type="datetimeFigureOut">
+            <a:fld id="{951EDF29-9217-4B41-AAA3-F221370B0652}" type="datetimeFigureOut">
               <a:rPr lang="zh-CN" altLang="en-US" smtClean="0"/>
               <a:t>2024/3/10</a:t>
             </a:fld>
@@ -2386,7 +2386,7 @@
           <p:cNvPr id="6" name="页脚占位符 5">
             <a:extLst>
               <a:ext uri="{FF2B5EF4-FFF2-40B4-BE49-F238E27FC236}">
-                <a16:creationId xmlns:a16="http://schemas.microsoft.com/office/drawing/2014/main" id="{61EB5191-25CF-37A7-6A1A-6085CFB0C7A2}"/>
+                <a16:creationId xmlns:a16="http://schemas.microsoft.com/office/drawing/2014/main" id="{7036E0AC-9AD4-7BB9-E3B1-93B389392510}"/>
               </a:ext>
             </a:extLst>
           </p:cNvPr>
@@ -2411,7 +2411,7 @@
           <p:cNvPr id="7" name="灯片编号占位符 6">
             <a:extLst>
               <a:ext uri="{FF2B5EF4-FFF2-40B4-BE49-F238E27FC236}">
-                <a16:creationId xmlns:a16="http://schemas.microsoft.com/office/drawing/2014/main" id="{EE192CD9-9164-F097-5F5C-FCEF157FC522}"/>
+                <a16:creationId xmlns:a16="http://schemas.microsoft.com/office/drawing/2014/main" id="{14663547-EDFB-69F5-B6CD-2547DE8143E6}"/>
               </a:ext>
             </a:extLst>
           </p:cNvPr>
@@ -2427,7 +2427,7 @@
           <a:bodyPr/>
           <a:lstStyle/>
           <a:p>
-            <a:fld id="{630C9594-7124-4756-B250-1EA8373882BB}" type="slidenum">
+            <a:fld id="{2D0BD0FF-CF5E-4F90-94EA-5F1008DE6DEA}" type="slidenum">
               <a:rPr lang="zh-CN" altLang="en-US" smtClean="0"/>
               <a:t>‹#›</a:t>
             </a:fld>
@@ -2438,7 +2438,7 @@
     </p:spTree>
     <p:extLst>
       <p:ext uri="{BB962C8B-B14F-4D97-AF65-F5344CB8AC3E}">
-        <p14:creationId xmlns:p14="http://schemas.microsoft.com/office/powerpoint/2010/main" val="2694073974"/>
+        <p14:creationId xmlns:p14="http://schemas.microsoft.com/office/powerpoint/2010/main" val="2380089853"/>
       </p:ext>
     </p:extLst>
   </p:cSld>
@@ -2470,7 +2470,7 @@
           <p:cNvPr id="2" name="标题 1">
             <a:extLst>
               <a:ext uri="{FF2B5EF4-FFF2-40B4-BE49-F238E27FC236}">
-                <a16:creationId xmlns:a16="http://schemas.microsoft.com/office/drawing/2014/main" id="{1AB60FFC-B4BC-05D4-F715-CDC4E928E8A1}"/>
+                <a16:creationId xmlns:a16="http://schemas.microsoft.com/office/drawing/2014/main" id="{ADC4DBCD-7C4A-5F2B-BBFE-54D2608495BA}"/>
               </a:ext>
             </a:extLst>
           </p:cNvPr>
@@ -2507,7 +2507,7 @@
           <p:cNvPr id="3" name="图片占位符 2">
             <a:extLst>
               <a:ext uri="{FF2B5EF4-FFF2-40B4-BE49-F238E27FC236}">
-                <a16:creationId xmlns:a16="http://schemas.microsoft.com/office/drawing/2014/main" id="{F67DB0FE-A4B2-9687-3206-1F03FC65E043}"/>
+                <a16:creationId xmlns:a16="http://schemas.microsoft.com/office/drawing/2014/main" id="{76817663-E839-C5FB-F776-C9EB04BD9BE8}"/>
               </a:ext>
             </a:extLst>
           </p:cNvPr>
@@ -2574,7 +2574,7 @@
           <p:cNvPr id="4" name="文本占位符 3">
             <a:extLst>
               <a:ext uri="{FF2B5EF4-FFF2-40B4-BE49-F238E27FC236}">
-                <a16:creationId xmlns:a16="http://schemas.microsoft.com/office/drawing/2014/main" id="{1D179F9B-6E36-B189-E526-72E456FC58AD}"/>
+                <a16:creationId xmlns:a16="http://schemas.microsoft.com/office/drawing/2014/main" id="{E78AA007-B023-85E7-D53E-F0F1DAA50EE1}"/>
               </a:ext>
             </a:extLst>
           </p:cNvPr>
@@ -2645,7 +2645,7 @@
           <p:cNvPr id="5" name="日期占位符 4">
             <a:extLst>
               <a:ext uri="{FF2B5EF4-FFF2-40B4-BE49-F238E27FC236}">
-                <a16:creationId xmlns:a16="http://schemas.microsoft.com/office/drawing/2014/main" id="{BEF92B36-D706-3830-DC2A-922B6E356BD8}"/>
+                <a16:creationId xmlns:a16="http://schemas.microsoft.com/office/drawing/2014/main" id="{3F4AABAD-AA7C-EE37-046F-92A8F486DD6A}"/>
               </a:ext>
             </a:extLst>
           </p:cNvPr>
@@ -2661,7 +2661,7 @@
           <a:bodyPr/>
           <a:lstStyle/>
           <a:p>
-            <a:fld id="{C052A223-C979-48B7-9D83-41736B0AEA1C}" type="datetimeFigureOut">
+            <a:fld id="{951EDF29-9217-4B41-AAA3-F221370B0652}" type="datetimeFigureOut">
               <a:rPr lang="zh-CN" altLang="en-US" smtClean="0"/>
               <a:t>2024/3/10</a:t>
             </a:fld>
@@ -2674,7 +2674,7 @@
           <p:cNvPr id="6" name="页脚占位符 5">
             <a:extLst>
               <a:ext uri="{FF2B5EF4-FFF2-40B4-BE49-F238E27FC236}">
-                <a16:creationId xmlns:a16="http://schemas.microsoft.com/office/drawing/2014/main" id="{0FE9BC02-155D-2169-4449-10A160D88740}"/>
+                <a16:creationId xmlns:a16="http://schemas.microsoft.com/office/drawing/2014/main" id="{E81424F8-5564-1803-A63E-B92ECD07674B}"/>
               </a:ext>
             </a:extLst>
           </p:cNvPr>
@@ -2699,7 +2699,7 @@
           <p:cNvPr id="7" name="灯片编号占位符 6">
             <a:extLst>
               <a:ext uri="{FF2B5EF4-FFF2-40B4-BE49-F238E27FC236}">
-                <a16:creationId xmlns:a16="http://schemas.microsoft.com/office/drawing/2014/main" id="{960B6CE8-3B0B-8F07-083F-5C876916D156}"/>
+                <a16:creationId xmlns:a16="http://schemas.microsoft.com/office/drawing/2014/main" id="{70A00288-EFEA-E51D-46BB-8F27F6ACE1E6}"/>
               </a:ext>
             </a:extLst>
           </p:cNvPr>
@@ -2715,7 +2715,7 @@
           <a:bodyPr/>
           <a:lstStyle/>
           <a:p>
-            <a:fld id="{630C9594-7124-4756-B250-1EA8373882BB}" type="slidenum">
+            <a:fld id="{2D0BD0FF-CF5E-4F90-94EA-5F1008DE6DEA}" type="slidenum">
               <a:rPr lang="zh-CN" altLang="en-US" smtClean="0"/>
               <a:t>‹#›</a:t>
             </a:fld>
@@ -2726,7 +2726,7 @@
     </p:spTree>
     <p:extLst>
       <p:ext uri="{BB962C8B-B14F-4D97-AF65-F5344CB8AC3E}">
-        <p14:creationId xmlns:p14="http://schemas.microsoft.com/office/powerpoint/2010/main" val="457490528"/>
+        <p14:creationId xmlns:p14="http://schemas.microsoft.com/office/powerpoint/2010/main" val="3781460875"/>
       </p:ext>
     </p:extLst>
   </p:cSld>
@@ -2763,7 +2763,7 @@
           <p:cNvPr id="2" name="标题占位符 1">
             <a:extLst>
               <a:ext uri="{FF2B5EF4-FFF2-40B4-BE49-F238E27FC236}">
-                <a16:creationId xmlns:a16="http://schemas.microsoft.com/office/drawing/2014/main" id="{0FB4ACDC-7A1A-7D0C-59A1-50E286C517B2}"/>
+                <a16:creationId xmlns:a16="http://schemas.microsoft.com/office/drawing/2014/main" id="{67147EBB-14C6-42DB-78B1-79B035B6AF41}"/>
               </a:ext>
             </a:extLst>
           </p:cNvPr>
@@ -2801,7 +2801,7 @@
           <p:cNvPr id="3" name="文本占位符 2">
             <a:extLst>
               <a:ext uri="{FF2B5EF4-FFF2-40B4-BE49-F238E27FC236}">
-                <a16:creationId xmlns:a16="http://schemas.microsoft.com/office/drawing/2014/main" id="{02CC063C-7418-A60D-356E-7CF3065A4D63}"/>
+                <a16:creationId xmlns:a16="http://schemas.microsoft.com/office/drawing/2014/main" id="{231A4A6C-ABD4-6FB6-4742-73C2503D6E80}"/>
               </a:ext>
             </a:extLst>
           </p:cNvPr>
@@ -2868,7 +2868,7 @@
           <p:cNvPr id="4" name="日期占位符 3">
             <a:extLst>
               <a:ext uri="{FF2B5EF4-FFF2-40B4-BE49-F238E27FC236}">
-                <a16:creationId xmlns:a16="http://schemas.microsoft.com/office/drawing/2014/main" id="{A013E335-C18C-390A-EE0F-E4856CDA86F2}"/>
+                <a16:creationId xmlns:a16="http://schemas.microsoft.com/office/drawing/2014/main" id="{AD3A83DF-45BA-F726-80F0-D68DEB8103B4}"/>
               </a:ext>
             </a:extLst>
           </p:cNvPr>
@@ -2902,7 +2902,7 @@
             </a:lvl1pPr>
           </a:lstStyle>
           <a:p>
-            <a:fld id="{C052A223-C979-48B7-9D83-41736B0AEA1C}" type="datetimeFigureOut">
+            <a:fld id="{951EDF29-9217-4B41-AAA3-F221370B0652}" type="datetimeFigureOut">
               <a:rPr lang="zh-CN" altLang="en-US" smtClean="0"/>
               <a:t>2024/3/10</a:t>
             </a:fld>
@@ -2915,7 +2915,7 @@
           <p:cNvPr id="5" name="页脚占位符 4">
             <a:extLst>
               <a:ext uri="{FF2B5EF4-FFF2-40B4-BE49-F238E27FC236}">
-                <a16:creationId xmlns:a16="http://schemas.microsoft.com/office/drawing/2014/main" id="{CBB835ED-35CA-79BB-A555-5535646A4260}"/>
+                <a16:creationId xmlns:a16="http://schemas.microsoft.com/office/drawing/2014/main" id="{5D109680-FB60-1B43-D2E3-FDEB5A5BD4F2}"/>
               </a:ext>
             </a:extLst>
           </p:cNvPr>
@@ -2958,7 +2958,7 @@
           <p:cNvPr id="6" name="灯片编号占位符 5">
             <a:extLst>
               <a:ext uri="{FF2B5EF4-FFF2-40B4-BE49-F238E27FC236}">
-                <a16:creationId xmlns:a16="http://schemas.microsoft.com/office/drawing/2014/main" id="{376EDE7D-0D75-923F-30E7-825250BF5B84}"/>
+                <a16:creationId xmlns:a16="http://schemas.microsoft.com/office/drawing/2014/main" id="{58401388-DF6B-17E1-18DC-431986291D60}"/>
               </a:ext>
             </a:extLst>
           </p:cNvPr>
@@ -2992,7 +2992,7 @@
             </a:lvl1pPr>
           </a:lstStyle>
           <a:p>
-            <a:fld id="{630C9594-7124-4756-B250-1EA8373882BB}" type="slidenum">
+            <a:fld id="{2D0BD0FF-CF5E-4F90-94EA-5F1008DE6DEA}" type="slidenum">
               <a:rPr lang="zh-CN" altLang="en-US" smtClean="0"/>
               <a:t>‹#›</a:t>
             </a:fld>
@@ -3003,7 +3003,7 @@
     </p:spTree>
     <p:extLst>
       <p:ext uri="{BB962C8B-B14F-4D97-AF65-F5344CB8AC3E}">
-        <p14:creationId xmlns:p14="http://schemas.microsoft.com/office/powerpoint/2010/main" val="3527517791"/>
+        <p14:creationId xmlns:p14="http://schemas.microsoft.com/office/powerpoint/2010/main" val="4278882538"/>
       </p:ext>
     </p:extLst>
   </p:cSld>
